--- a/slides/DS_Week10_01_GraphNetworks.pptx
+++ b/slides/DS_Week10_01_GraphNetworks.pptx
@@ -5,10 +5,10 @@
     <p:sldMasterId id="2147483649" r:id="rId1"/>
   </p:sldMasterIdLst>
   <p:notesMasterIdLst>
-    <p:notesMasterId r:id="rId13"/>
+    <p:notesMasterId r:id="rId17"/>
   </p:notesMasterIdLst>
   <p:handoutMasterIdLst>
-    <p:handoutMasterId r:id="rId14"/>
+    <p:handoutMasterId r:id="rId18"/>
   </p:handoutMasterIdLst>
   <p:sldIdLst>
     <p:sldId id="430" r:id="rId2"/>
@@ -16,12 +16,16 @@
     <p:sldId id="493" r:id="rId4"/>
     <p:sldId id="494" r:id="rId5"/>
     <p:sldId id="495" r:id="rId6"/>
-    <p:sldId id="496" r:id="rId7"/>
-    <p:sldId id="501" r:id="rId8"/>
-    <p:sldId id="500" r:id="rId9"/>
-    <p:sldId id="502" r:id="rId10"/>
-    <p:sldId id="503" r:id="rId11"/>
-    <p:sldId id="504" r:id="rId12"/>
+    <p:sldId id="507" r:id="rId7"/>
+    <p:sldId id="508" r:id="rId8"/>
+    <p:sldId id="496" r:id="rId9"/>
+    <p:sldId id="505" r:id="rId10"/>
+    <p:sldId id="506" r:id="rId11"/>
+    <p:sldId id="501" r:id="rId12"/>
+    <p:sldId id="500" r:id="rId13"/>
+    <p:sldId id="502" r:id="rId14"/>
+    <p:sldId id="503" r:id="rId15"/>
+    <p:sldId id="504" r:id="rId16"/>
   </p:sldIdLst>
   <p:sldSz cx="12192000" cy="6858000"/>
   <p:notesSz cx="6858000" cy="9144000"/>
@@ -3941,6 +3945,432 @@
           <a:lstStyle/>
           <a:p>
             <a:r>
+              <a:rPr lang="lv-LV" dirty="0" smtClean="0"/>
+              <a:t>Ford-Fulkerson Example – 2 </a:t>
+            </a:r>
+            <a:endParaRPr lang="lv-LV" dirty="0"/>
+          </a:p>
+        </p:txBody>
+      </p:sp>
+      <p:sp>
+        <p:nvSpPr>
+          <p:cNvPr id="3" name="Content Placeholder 2"/>
+          <p:cNvSpPr>
+            <a:spLocks noGrp="1"/>
+          </p:cNvSpPr>
+          <p:nvPr>
+            <p:ph idx="1"/>
+          </p:nvPr>
+        </p:nvSpPr>
+        <p:spPr/>
+        <p:txBody>
+          <a:bodyPr/>
+          <a:lstStyle/>
+          <a:p>
+            <a:endParaRPr lang="lv-LV"/>
+          </a:p>
+        </p:txBody>
+      </p:sp>
+      <p:pic>
+        <p:nvPicPr>
+          <p:cNvPr id="4" name="Picture 3"/>
+          <p:cNvPicPr>
+            <a:picLocks noChangeAspect="1"/>
+          </p:cNvPicPr>
+          <p:nvPr/>
+        </p:nvPicPr>
+        <p:blipFill>
+          <a:blip r:embed="rId2"/>
+          <a:stretch>
+            <a:fillRect/>
+          </a:stretch>
+        </p:blipFill>
+        <p:spPr>
+          <a:xfrm>
+            <a:off x="3065755" y="1584158"/>
+            <a:ext cx="7606953" cy="4740441"/>
+          </a:xfrm>
+          <a:prstGeom prst="rect">
+            <a:avLst/>
+          </a:prstGeom>
+        </p:spPr>
+      </p:pic>
+    </p:spTree>
+    <p:extLst>
+      <p:ext uri="{BB962C8B-B14F-4D97-AF65-F5344CB8AC3E}">
+        <p14:creationId xmlns:p14="http://schemas.microsoft.com/office/powerpoint/2010/main" val="311437121"/>
+      </p:ext>
+    </p:extLst>
+  </p:cSld>
+  <p:clrMapOvr>
+    <a:masterClrMapping/>
+  </p:clrMapOvr>
+  <p:transition spd="slow">
+    <p:wipe/>
+  </p:transition>
+</p:sld>
+</file>
+
+<file path=ppt/slides/slide11.xml><?xml version="1.0" encoding="utf-8"?>
+<p:sld xmlns:a="http://schemas.openxmlformats.org/drawingml/2006/main" xmlns:r="http://schemas.openxmlformats.org/officeDocument/2006/relationships" xmlns:p="http://schemas.openxmlformats.org/presentationml/2006/main">
+  <p:cSld>
+    <p:spTree>
+      <p:nvGrpSpPr>
+        <p:cNvPr id="1" name=""/>
+        <p:cNvGrpSpPr/>
+        <p:nvPr/>
+      </p:nvGrpSpPr>
+      <p:grpSpPr>
+        <a:xfrm>
+          <a:off x="0" y="0"/>
+          <a:ext cx="0" cy="0"/>
+          <a:chOff x="0" y="0"/>
+          <a:chExt cx="0" cy="0"/>
+        </a:xfrm>
+      </p:grpSpPr>
+      <p:sp>
+        <p:nvSpPr>
+          <p:cNvPr id="2" name="Title 1"/>
+          <p:cNvSpPr>
+            <a:spLocks noGrp="1"/>
+          </p:cNvSpPr>
+          <p:nvPr>
+            <p:ph type="title"/>
+          </p:nvPr>
+        </p:nvSpPr>
+        <p:spPr/>
+        <p:txBody>
+          <a:bodyPr/>
+          <a:lstStyle/>
+          <a:p>
+            <a:r>
+              <a:rPr lang="en-US" dirty="0" smtClean="0"/>
+              <a:t>Ford-Fulkerson and Worst Case</a:t>
+            </a:r>
+            <a:endParaRPr lang="lv-LV" dirty="0"/>
+          </a:p>
+        </p:txBody>
+      </p:sp>
+      <p:pic>
+        <p:nvPicPr>
+          <p:cNvPr id="4" name="Picture 3"/>
+          <p:cNvPicPr>
+            <a:picLocks noChangeAspect="1"/>
+          </p:cNvPicPr>
+          <p:nvPr/>
+        </p:nvPicPr>
+        <p:blipFill>
+          <a:blip r:embed="rId3"/>
+          <a:stretch>
+            <a:fillRect/>
+          </a:stretch>
+        </p:blipFill>
+        <p:spPr>
+          <a:xfrm>
+            <a:off x="3243262" y="1676400"/>
+            <a:ext cx="6210300" cy="2628900"/>
+          </a:xfrm>
+          <a:prstGeom prst="rect">
+            <a:avLst/>
+          </a:prstGeom>
+        </p:spPr>
+      </p:pic>
+      <p:pic>
+        <p:nvPicPr>
+          <p:cNvPr id="5" name="Picture 4"/>
+          <p:cNvPicPr>
+            <a:picLocks noChangeAspect="1"/>
+          </p:cNvPicPr>
+          <p:nvPr/>
+        </p:nvPicPr>
+        <p:blipFill>
+          <a:blip r:embed="rId4"/>
+          <a:stretch>
+            <a:fillRect/>
+          </a:stretch>
+        </p:blipFill>
+        <p:spPr>
+          <a:xfrm>
+            <a:off x="2057400" y="4724400"/>
+            <a:ext cx="8582025" cy="1752600"/>
+          </a:xfrm>
+          <a:prstGeom prst="rect">
+            <a:avLst/>
+          </a:prstGeom>
+        </p:spPr>
+      </p:pic>
+    </p:spTree>
+    <p:extLst>
+      <p:ext uri="{BB962C8B-B14F-4D97-AF65-F5344CB8AC3E}">
+        <p14:creationId xmlns:p14="http://schemas.microsoft.com/office/powerpoint/2010/main" val="2368202254"/>
+      </p:ext>
+    </p:extLst>
+  </p:cSld>
+  <p:clrMapOvr>
+    <a:masterClrMapping/>
+  </p:clrMapOvr>
+  <p:transition spd="slow">
+    <p:wipe/>
+  </p:transition>
+  <p:timing>
+    <p:tnLst>
+      <p:par>
+        <p:cTn id="1" dur="indefinite" restart="never" nodeType="tmRoot"/>
+      </p:par>
+    </p:tnLst>
+  </p:timing>
+</p:sld>
+</file>
+
+<file path=ppt/slides/slide12.xml><?xml version="1.0" encoding="utf-8"?>
+<p:sld xmlns:a="http://schemas.openxmlformats.org/drawingml/2006/main" xmlns:r="http://schemas.openxmlformats.org/officeDocument/2006/relationships" xmlns:p="http://schemas.openxmlformats.org/presentationml/2006/main">
+  <p:cSld>
+    <p:spTree>
+      <p:nvGrpSpPr>
+        <p:cNvPr id="1" name=""/>
+        <p:cNvGrpSpPr/>
+        <p:nvPr/>
+      </p:nvGrpSpPr>
+      <p:grpSpPr>
+        <a:xfrm>
+          <a:off x="0" y="0"/>
+          <a:ext cx="0" cy="0"/>
+          <a:chOff x="0" y="0"/>
+          <a:chExt cx="0" cy="0"/>
+        </a:xfrm>
+      </p:grpSpPr>
+      <p:sp>
+        <p:nvSpPr>
+          <p:cNvPr id="2" name="Title 1"/>
+          <p:cNvSpPr>
+            <a:spLocks noGrp="1"/>
+          </p:cNvSpPr>
+          <p:nvPr>
+            <p:ph type="title"/>
+          </p:nvPr>
+        </p:nvSpPr>
+        <p:spPr/>
+        <p:txBody>
+          <a:bodyPr/>
+          <a:lstStyle/>
+          <a:p>
+            <a:r>
+              <a:rPr lang="en-US" dirty="0" smtClean="0"/>
+              <a:t>Reasons why this is Slow</a:t>
+            </a:r>
+            <a:endParaRPr lang="en-US" dirty="0"/>
+          </a:p>
+        </p:txBody>
+      </p:sp>
+      <p:sp>
+        <p:nvSpPr>
+          <p:cNvPr id="3" name="Content Placeholder 2"/>
+          <p:cNvSpPr>
+            <a:spLocks noGrp="1"/>
+          </p:cNvSpPr>
+          <p:nvPr>
+            <p:ph idx="1"/>
+          </p:nvPr>
+        </p:nvSpPr>
+        <p:spPr/>
+        <p:txBody>
+          <a:bodyPr/>
+          <a:lstStyle/>
+          <a:p>
+            <a:pPr lvl="1"/>
+            <a:r>
+              <a:rPr lang="en-US" dirty="0" smtClean="0"/>
+              <a:t>A major issue with this implementation is the depth-first approach, which has a significant impact on its efficiency</a:t>
+            </a:r>
+          </a:p>
+          <a:p>
+            <a:pPr lvl="1"/>
+            <a:r>
+              <a:rPr lang="en-US" dirty="0" smtClean="0"/>
+              <a:t>Since the depth-first algorithm  tries to reach the sink as soon as possible, we may end up choosing the same augmenting path several times as the algorithm proceeds</a:t>
+            </a:r>
+          </a:p>
+          <a:p>
+            <a:pPr lvl="1"/>
+            <a:r>
+              <a:rPr lang="en-US" dirty="0" smtClean="0"/>
+              <a:t>A better approach is to try and find the shortest augmenting path, which suggests a breadth-first approach</a:t>
+            </a:r>
+          </a:p>
+          <a:p>
+            <a:pPr lvl="1"/>
+            <a:r>
+              <a:rPr lang="en-US" dirty="0" smtClean="0"/>
+              <a:t>This concept was developed by Jack Edmonds and Richard Karp in 1972</a:t>
+            </a:r>
+          </a:p>
+          <a:p>
+            <a:pPr lvl="1"/>
+            <a:r>
+              <a:rPr lang="en-US" dirty="0" smtClean="0"/>
+              <a:t>It uses the same approach as the Ford-Fulkerson algorithm, but the </a:t>
+            </a:r>
+            <a:r>
+              <a:rPr lang="en-US" sz="1800" dirty="0">
+                <a:latin typeface="Courier New" pitchFamily="49" charset="0"/>
+                <a:cs typeface="Courier New" pitchFamily="49" charset="0"/>
+              </a:rPr>
+              <a:t>labeled</a:t>
+            </a:r>
+            <a:r>
+              <a:rPr lang="en-US" dirty="0" smtClean="0"/>
+              <a:t> structure is now a queue</a:t>
+            </a:r>
+          </a:p>
+        </p:txBody>
+      </p:sp>
+    </p:spTree>
+    <p:extLst>
+      <p:ext uri="{BB962C8B-B14F-4D97-AF65-F5344CB8AC3E}">
+        <p14:creationId xmlns:p14="http://schemas.microsoft.com/office/powerpoint/2010/main" val="3519956643"/>
+      </p:ext>
+    </p:extLst>
+  </p:cSld>
+  <p:clrMapOvr>
+    <a:masterClrMapping/>
+  </p:clrMapOvr>
+  <p:transition spd="slow">
+    <p:wipe/>
+  </p:transition>
+  <p:timing>
+    <p:tnLst>
+      <p:par>
+        <p:cTn id="1" dur="indefinite" restart="never" nodeType="tmRoot"/>
+      </p:par>
+    </p:tnLst>
+  </p:timing>
+</p:sld>
+</file>
+
+<file path=ppt/slides/slide13.xml><?xml version="1.0" encoding="utf-8"?>
+<p:sld xmlns:a="http://schemas.openxmlformats.org/drawingml/2006/main" xmlns:r="http://schemas.openxmlformats.org/officeDocument/2006/relationships" xmlns:p="http://schemas.openxmlformats.org/presentationml/2006/main">
+  <p:cSld>
+    <p:spTree>
+      <p:nvGrpSpPr>
+        <p:cNvPr id="1" name=""/>
+        <p:cNvGrpSpPr/>
+        <p:nvPr/>
+      </p:nvGrpSpPr>
+      <p:grpSpPr>
+        <a:xfrm>
+          <a:off x="0" y="0"/>
+          <a:ext cx="0" cy="0"/>
+          <a:chOff x="0" y="0"/>
+          <a:chExt cx="0" cy="0"/>
+        </a:xfrm>
+      </p:grpSpPr>
+      <p:sp>
+        <p:nvSpPr>
+          <p:cNvPr id="2" name="Title 1"/>
+          <p:cNvSpPr>
+            <a:spLocks noGrp="1"/>
+          </p:cNvSpPr>
+          <p:nvPr>
+            <p:ph type="title"/>
+          </p:nvPr>
+        </p:nvSpPr>
+        <p:spPr/>
+        <p:txBody>
+          <a:bodyPr/>
+          <a:lstStyle/>
+          <a:p>
+            <a:r>
+              <a:rPr lang="en-US" dirty="0"/>
+              <a:t>Edmonds-Karp </a:t>
+            </a:r>
+            <a:r>
+              <a:rPr lang="en-US" dirty="0" smtClean="0"/>
+              <a:t>Algorithm – 1 </a:t>
+            </a:r>
+            <a:endParaRPr lang="lv-LV" dirty="0"/>
+          </a:p>
+        </p:txBody>
+      </p:sp>
+      <p:pic>
+        <p:nvPicPr>
+          <p:cNvPr id="5" name="Picture 4"/>
+          <p:cNvPicPr>
+            <a:picLocks noChangeAspect="1"/>
+          </p:cNvPicPr>
+          <p:nvPr/>
+        </p:nvPicPr>
+        <p:blipFill>
+          <a:blip r:embed="rId2"/>
+          <a:stretch>
+            <a:fillRect/>
+          </a:stretch>
+        </p:blipFill>
+        <p:spPr>
+          <a:xfrm>
+            <a:off x="1904999" y="1828800"/>
+            <a:ext cx="9014249" cy="4495800"/>
+          </a:xfrm>
+          <a:prstGeom prst="rect">
+            <a:avLst/>
+          </a:prstGeom>
+        </p:spPr>
+      </p:pic>
+    </p:spTree>
+    <p:extLst>
+      <p:ext uri="{BB962C8B-B14F-4D97-AF65-F5344CB8AC3E}">
+        <p14:creationId xmlns:p14="http://schemas.microsoft.com/office/powerpoint/2010/main" val="1099117364"/>
+      </p:ext>
+    </p:extLst>
+  </p:cSld>
+  <p:clrMapOvr>
+    <a:masterClrMapping/>
+  </p:clrMapOvr>
+  <p:transition spd="slow">
+    <p:wipe/>
+  </p:transition>
+  <p:timing>
+    <p:tnLst>
+      <p:par>
+        <p:cTn id="1" dur="indefinite" restart="never" nodeType="tmRoot"/>
+      </p:par>
+    </p:tnLst>
+  </p:timing>
+</p:sld>
+</file>
+
+<file path=ppt/slides/slide14.xml><?xml version="1.0" encoding="utf-8"?>
+<p:sld xmlns:a="http://schemas.openxmlformats.org/drawingml/2006/main" xmlns:r="http://schemas.openxmlformats.org/officeDocument/2006/relationships" xmlns:p="http://schemas.openxmlformats.org/presentationml/2006/main">
+  <p:cSld>
+    <p:spTree>
+      <p:nvGrpSpPr>
+        <p:cNvPr id="1" name=""/>
+        <p:cNvGrpSpPr/>
+        <p:nvPr/>
+      </p:nvGrpSpPr>
+      <p:grpSpPr>
+        <a:xfrm>
+          <a:off x="0" y="0"/>
+          <a:ext cx="0" cy="0"/>
+          <a:chOff x="0" y="0"/>
+          <a:chExt cx="0" cy="0"/>
+        </a:xfrm>
+      </p:grpSpPr>
+      <p:sp>
+        <p:nvSpPr>
+          <p:cNvPr id="2" name="Title 1"/>
+          <p:cNvSpPr>
+            <a:spLocks noGrp="1"/>
+          </p:cNvSpPr>
+          <p:nvPr>
+            <p:ph type="title"/>
+          </p:nvPr>
+        </p:nvSpPr>
+        <p:spPr/>
+        <p:txBody>
+          <a:bodyPr/>
+          <a:lstStyle/>
+          <a:p>
+            <a:r>
               <a:rPr lang="en-US" dirty="0"/>
               <a:t>Edmonds-Karp Algorithm – 2</a:t>
             </a:r>
@@ -3995,7 +4425,7 @@
 </p:sld>
 </file>
 
-<file path=ppt/slides/slide11.xml><?xml version="1.0" encoding="utf-8"?>
+<file path=ppt/slides/slide15.xml><?xml version="1.0" encoding="utf-8"?>
 <p:sld xmlns:a="http://schemas.openxmlformats.org/drawingml/2006/main" xmlns:r="http://schemas.openxmlformats.org/officeDocument/2006/relationships" xmlns:p="http://schemas.openxmlformats.org/presentationml/2006/main">
   <p:cSld>
     <p:spTree>
@@ -5452,7 +5882,7 @@
       </p:grpSpPr>
       <p:sp>
         <p:nvSpPr>
-          <p:cNvPr id="2" name="Title 1"/>
+          <p:cNvPr id="6" name="Title 5"/>
           <p:cNvSpPr>
             <a:spLocks noGrp="1"/>
           </p:cNvSpPr>
@@ -5466,16 +5896,16 @@
           <a:lstStyle/>
           <a:p>
             <a:r>
-              <a:rPr lang="en-US" dirty="0" smtClean="0"/>
-              <a:t>Flow Augmenting Path</a:t>
-            </a:r>
-            <a:endParaRPr lang="en-US" dirty="0"/>
+              <a:rPr lang="lv-LV" dirty="0" smtClean="0"/>
+              <a:t>Multiple Sources or Sinks</a:t>
+            </a:r>
+            <a:endParaRPr lang="lv-LV" dirty="0"/>
           </a:p>
         </p:txBody>
       </p:sp>
       <p:sp>
         <p:nvSpPr>
-          <p:cNvPr id="3" name="Content Placeholder 2"/>
+          <p:cNvPr id="7" name="Content Placeholder 6"/>
           <p:cNvSpPr>
             <a:spLocks noGrp="1"/>
           </p:cNvSpPr>
@@ -5483,206 +5913,52 @@
             <p:ph idx="1"/>
           </p:nvPr>
         </p:nvSpPr>
-        <p:spPr/>
+        <p:spPr>
+          <a:xfrm>
+            <a:off x="8763000" y="1752601"/>
+            <a:ext cx="2819400" cy="4114800"/>
+          </a:xfrm>
+        </p:spPr>
         <p:txBody>
           <a:bodyPr/>
           <a:lstStyle/>
           <a:p>
             <a:r>
-              <a:rPr lang="en-US" dirty="0" smtClean="0"/>
-              <a:t>A </a:t>
-            </a:r>
-            <a:r>
-              <a:rPr lang="en-US" b="1" i="1" dirty="0" smtClean="0"/>
-              <a:t>flow-augmenting path</a:t>
-            </a:r>
-            <a:r>
-              <a:rPr lang="en-US" dirty="0" smtClean="0"/>
-              <a:t> is a sequence of edges from </a:t>
-            </a:r>
-            <a:r>
-              <a:rPr lang="en-US" i="1" dirty="0" smtClean="0"/>
-              <a:t>s</a:t>
-            </a:r>
-            <a:r>
-              <a:rPr lang="en-US" dirty="0" smtClean="0"/>
-              <a:t> to </a:t>
-            </a:r>
-            <a:r>
-              <a:rPr lang="en-US" i="1" dirty="0" smtClean="0"/>
-              <a:t>t</a:t>
-            </a:r>
-            <a:r>
-              <a:rPr lang="en-US" dirty="0" smtClean="0"/>
-              <a:t> such that on any edge, </a:t>
-            </a:r>
-            <a:r>
-              <a:rPr lang="en-US" i="1" dirty="0" smtClean="0"/>
-              <a:t>e</a:t>
-            </a:r>
-            <a:r>
-              <a:rPr lang="en-US" dirty="0" smtClean="0"/>
-              <a:t>, in the path the flow </a:t>
-            </a:r>
-            <a:r>
-              <a:rPr lang="en-US" i="1" dirty="0" smtClean="0"/>
-              <a:t>f</a:t>
-            </a:r>
-            <a:r>
-              <a:rPr lang="en-US" dirty="0" smtClean="0"/>
-              <a:t>(</a:t>
-            </a:r>
-            <a:r>
-              <a:rPr lang="en-US" i="1" dirty="0" smtClean="0"/>
-              <a:t>e</a:t>
-            </a:r>
-            <a:r>
-              <a:rPr lang="en-US" dirty="0" smtClean="0"/>
-              <a:t>) on the forward edges is less than the capacity, </a:t>
-            </a:r>
-            <a:r>
-              <a:rPr lang="en-US" i="1" dirty="0" smtClean="0"/>
-              <a:t>cap</a:t>
-            </a:r>
-            <a:r>
-              <a:rPr lang="en-US" dirty="0" smtClean="0"/>
-              <a:t>(</a:t>
-            </a:r>
-            <a:r>
-              <a:rPr lang="en-US" i="1" dirty="0" smtClean="0"/>
-              <a:t>e</a:t>
-            </a:r>
-            <a:r>
-              <a:rPr lang="en-US" dirty="0" smtClean="0"/>
-              <a:t>), and greater than 0 on the backward edges</a:t>
-            </a:r>
-          </a:p>
-          <a:p>
-            <a:r>
-              <a:rPr lang="en-US" dirty="0" smtClean="0"/>
-              <a:t>This means the path has excess capacity that isn’t being used</a:t>
-            </a:r>
-          </a:p>
-          <a:p>
-            <a:r>
-              <a:rPr lang="en-US" dirty="0" smtClean="0"/>
-              <a:t>However if the flow for any edge in that path reaches capacity, the flow cannot be augmented</a:t>
-            </a:r>
-          </a:p>
-          <a:p>
-            <a:r>
-              <a:rPr lang="en-US" dirty="0" smtClean="0"/>
-              <a:t>The path also does not have to exclusively use forward edges, so in Figure 8.19, we have paths </a:t>
-            </a:r>
-            <a:r>
-              <a:rPr lang="en-US" i="1" dirty="0" smtClean="0"/>
-              <a:t>s</a:t>
-            </a:r>
-            <a:r>
-              <a:rPr lang="en-US" dirty="0" smtClean="0"/>
-              <a:t>, </a:t>
-            </a:r>
-            <a:r>
-              <a:rPr lang="en-US" i="1" dirty="0" smtClean="0"/>
-              <a:t>a</a:t>
-            </a:r>
-            <a:r>
-              <a:rPr lang="en-US" dirty="0" smtClean="0"/>
-              <a:t>, </a:t>
-            </a:r>
-            <a:r>
-              <a:rPr lang="en-US" i="1" dirty="0" smtClean="0"/>
-              <a:t>b</a:t>
-            </a:r>
-            <a:r>
-              <a:rPr lang="en-US" dirty="0" smtClean="0"/>
-              <a:t>, </a:t>
-            </a:r>
-            <a:r>
-              <a:rPr lang="en-US" i="1" dirty="0" smtClean="0"/>
-              <a:t>t</a:t>
-            </a:r>
-            <a:r>
-              <a:rPr lang="en-US" dirty="0" smtClean="0"/>
-              <a:t> and </a:t>
-            </a:r>
-            <a:r>
-              <a:rPr lang="en-US" i="1" dirty="0" smtClean="0"/>
-              <a:t>s</a:t>
-            </a:r>
-            <a:r>
-              <a:rPr lang="en-US" dirty="0" smtClean="0"/>
-              <a:t>, </a:t>
-            </a:r>
-            <a:r>
-              <a:rPr lang="en-US" i="1" dirty="0" smtClean="0"/>
-              <a:t>d</a:t>
-            </a:r>
-            <a:r>
-              <a:rPr lang="en-US" dirty="0" smtClean="0"/>
-              <a:t>, </a:t>
-            </a:r>
-            <a:r>
-              <a:rPr lang="en-US" i="1" dirty="0" smtClean="0"/>
-              <a:t>b</a:t>
-            </a:r>
-            <a:r>
-              <a:rPr lang="en-US" dirty="0" smtClean="0"/>
-              <a:t>, </a:t>
-            </a:r>
-            <a:r>
-              <a:rPr lang="en-US" i="1" dirty="0" smtClean="0"/>
-              <a:t>t</a:t>
-            </a:r>
-          </a:p>
-          <a:p>
-            <a:r>
-              <a:rPr lang="en-US" dirty="0" smtClean="0"/>
-              <a:t>Backward edges push back against the flow, decreasing the total flow of the network</a:t>
-            </a:r>
-          </a:p>
-          <a:p>
-            <a:r>
-              <a:rPr lang="en-US" dirty="0" smtClean="0"/>
-              <a:t>Eliminating them can increase the overall flow in the network, so the goal of augmenting isn’t finished until the flows for those edges is 0</a:t>
-            </a:r>
-            <a:endParaRPr lang="en-US" dirty="0"/>
+              <a:rPr lang="lv-LV" dirty="0" smtClean="0"/>
+              <a:t>Problems with multiple sources and sinks may exist, but they can be reduced to single source/sink.</a:t>
+            </a:r>
+            <a:endParaRPr lang="lv-LV" dirty="0"/>
           </a:p>
         </p:txBody>
       </p:sp>
-      <p:sp>
-        <p:nvSpPr>
-          <p:cNvPr id="5" name="Slide Number Placeholder 4"/>
-          <p:cNvSpPr>
-            <a:spLocks noGrp="1"/>
-          </p:cNvSpPr>
-          <p:nvPr>
-            <p:ph type="sldNum" sz="quarter" idx="12"/>
-          </p:nvPr>
-        </p:nvSpPr>
-        <p:spPr/>
-        <p:txBody>
-          <a:bodyPr/>
-          <a:lstStyle/>
-          <a:p>
-            <a:pPr>
-              <a:defRPr/>
-            </a:pPr>
-            <a:fld id="{54239539-FAAE-47F3-A644-ECC48BA6469C}" type="slidenum">
-              <a:rPr lang="en-US" smtClean="0"/>
-              <a:pPr>
-                <a:defRPr/>
-              </a:pPr>
-              <a:t>6</a:t>
-            </a:fld>
-            <a:endParaRPr lang="en-US" dirty="0"/>
-          </a:p>
-        </p:txBody>
-      </p:sp>
+      <p:pic>
+        <p:nvPicPr>
+          <p:cNvPr id="5" name="Picture 4"/>
+          <p:cNvPicPr>
+            <a:picLocks noChangeAspect="1"/>
+          </p:cNvPicPr>
+          <p:nvPr/>
+        </p:nvPicPr>
+        <p:blipFill>
+          <a:blip r:embed="rId2"/>
+          <a:stretch>
+            <a:fillRect/>
+          </a:stretch>
+        </p:blipFill>
+        <p:spPr>
+          <a:xfrm>
+            <a:off x="1219200" y="1748590"/>
+            <a:ext cx="7239000" cy="4653643"/>
+          </a:xfrm>
+          <a:prstGeom prst="rect">
+            <a:avLst/>
+          </a:prstGeom>
+        </p:spPr>
+      </p:pic>
     </p:spTree>
     <p:extLst>
       <p:ext uri="{BB962C8B-B14F-4D97-AF65-F5344CB8AC3E}">
-        <p14:creationId xmlns:p14="http://schemas.microsoft.com/office/powerpoint/2010/main" val="4060603043"/>
+        <p14:creationId xmlns:p14="http://schemas.microsoft.com/office/powerpoint/2010/main" val="2185583106"/>
       </p:ext>
     </p:extLst>
   </p:cSld>
@@ -5692,13 +5968,6 @@
   <p:transition spd="slow">
     <p:wipe/>
   </p:transition>
-  <p:timing>
-    <p:tnLst>
-      <p:par>
-        <p:cTn id="1" dur="indefinite" restart="never" nodeType="tmRoot"/>
-      </p:par>
-    </p:tnLst>
-  </p:timing>
 </p:sld>
 </file>
 
@@ -5735,8 +6004,42 @@
           <a:lstStyle/>
           <a:p>
             <a:r>
-              <a:rPr lang="en-US" dirty="0" smtClean="0"/>
-              <a:t>Ford-Fulkerson and Worst Case</a:t>
+              <a:rPr lang="lv-LV" dirty="0" smtClean="0"/>
+              <a:t>Flow Graph with Antiparallel Edges</a:t>
+            </a:r>
+            <a:endParaRPr lang="lv-LV" dirty="0"/>
+          </a:p>
+        </p:txBody>
+      </p:sp>
+      <p:sp>
+        <p:nvSpPr>
+          <p:cNvPr id="3" name="Content Placeholder 2"/>
+          <p:cNvSpPr>
+            <a:spLocks noGrp="1"/>
+          </p:cNvSpPr>
+          <p:nvPr>
+            <p:ph idx="1"/>
+          </p:nvPr>
+        </p:nvSpPr>
+        <p:spPr>
+          <a:xfrm>
+            <a:off x="1422400" y="4648200"/>
+            <a:ext cx="10160000" cy="1219200"/>
+          </a:xfrm>
+        </p:spPr>
+        <p:txBody>
+          <a:bodyPr/>
+          <a:lstStyle/>
+          <a:p>
+            <a:r>
+              <a:rPr lang="lv-LV" dirty="0" smtClean="0"/>
+              <a:t>Such graphs are not easy to handle</a:t>
+            </a:r>
+          </a:p>
+          <a:p>
+            <a:r>
+              <a:rPr lang="lv-LV" dirty="0" smtClean="0"/>
+              <a:t>Convert them into graphs with no opposite arrows with non-zero capacities.</a:t>
             </a:r>
             <a:endParaRPr lang="lv-LV" dirty="0"/>
           </a:p>
@@ -5751,39 +6054,15 @@
           <p:nvPr/>
         </p:nvPicPr>
         <p:blipFill>
-          <a:blip r:embed="rId3"/>
+          <a:blip r:embed="rId2"/>
           <a:stretch>
             <a:fillRect/>
           </a:stretch>
         </p:blipFill>
         <p:spPr>
           <a:xfrm>
-            <a:off x="3243262" y="1676400"/>
-            <a:ext cx="6210300" cy="2628900"/>
-          </a:xfrm>
-          <a:prstGeom prst="rect">
-            <a:avLst/>
-          </a:prstGeom>
-        </p:spPr>
-      </p:pic>
-      <p:pic>
-        <p:nvPicPr>
-          <p:cNvPr id="5" name="Picture 4"/>
-          <p:cNvPicPr>
-            <a:picLocks noChangeAspect="1"/>
-          </p:cNvPicPr>
-          <p:nvPr/>
-        </p:nvPicPr>
-        <p:blipFill>
-          <a:blip r:embed="rId4"/>
-          <a:stretch>
-            <a:fillRect/>
-          </a:stretch>
-        </p:blipFill>
-        <p:spPr>
-          <a:xfrm>
-            <a:off x="2057400" y="4724400"/>
-            <a:ext cx="8582025" cy="1752600"/>
+            <a:off x="2286000" y="1792707"/>
+            <a:ext cx="7924800" cy="2314575"/>
           </a:xfrm>
           <a:prstGeom prst="rect">
             <a:avLst/>
@@ -5793,7 +6072,7 @@
     </p:spTree>
     <p:extLst>
       <p:ext uri="{BB962C8B-B14F-4D97-AF65-F5344CB8AC3E}">
-        <p14:creationId xmlns:p14="http://schemas.microsoft.com/office/powerpoint/2010/main" val="2368202254"/>
+        <p14:creationId xmlns:p14="http://schemas.microsoft.com/office/powerpoint/2010/main" val="1742420979"/>
       </p:ext>
     </p:extLst>
   </p:cSld>
@@ -5803,13 +6082,6 @@
   <p:transition spd="slow">
     <p:wipe/>
   </p:transition>
-  <p:timing>
-    <p:tnLst>
-      <p:par>
-        <p:cTn id="1" dur="indefinite" restart="never" nodeType="tmRoot"/>
-      </p:par>
-    </p:tnLst>
-  </p:timing>
 </p:sld>
 </file>
 
@@ -5847,7 +6119,7 @@
           <a:p>
             <a:r>
               <a:rPr lang="en-US" dirty="0" smtClean="0"/>
-              <a:t>Reasons why this is Slow</a:t>
+              <a:t>Flow Augmenting Path</a:t>
             </a:r>
             <a:endParaRPr lang="en-US" dirty="0"/>
           </a:p>
@@ -5868,57 +6140,201 @@
           <a:bodyPr/>
           <a:lstStyle/>
           <a:p>
-            <a:pPr lvl="1"/>
-            <a:r>
-              <a:rPr lang="en-US" dirty="0" smtClean="0"/>
-              <a:t>A major issue with this implementation is the depth-first approach, which has a significant impact on its efficiency</a:t>
-            </a:r>
-          </a:p>
-          <a:p>
-            <a:pPr lvl="1"/>
-            <a:r>
-              <a:rPr lang="en-US" dirty="0" smtClean="0"/>
-              <a:t>Since the depth-first algorithm  tries to reach the sink as soon as possible, we may end up choosing the same augmenting path several times as the algorithm proceeds</a:t>
-            </a:r>
-          </a:p>
-          <a:p>
-            <a:pPr lvl="1"/>
-            <a:r>
-              <a:rPr lang="en-US" dirty="0" smtClean="0"/>
-              <a:t>A better approach is to try and find the shortest augmenting path, which suggests a breadth-first approach</a:t>
-            </a:r>
-          </a:p>
-          <a:p>
-            <a:pPr lvl="1"/>
-            <a:r>
-              <a:rPr lang="en-US" dirty="0" smtClean="0"/>
-              <a:t>This concept was developed by Jack Edmonds and Richard Karp in 1972</a:t>
-            </a:r>
-          </a:p>
-          <a:p>
-            <a:pPr lvl="1"/>
-            <a:r>
-              <a:rPr lang="en-US" dirty="0" smtClean="0"/>
-              <a:t>It uses the same approach as the Ford-Fulkerson algorithm, but the </a:t>
-            </a:r>
-            <a:r>
-              <a:rPr lang="en-US" sz="1800" dirty="0">
-                <a:latin typeface="Courier New" pitchFamily="49" charset="0"/>
-                <a:cs typeface="Courier New" pitchFamily="49" charset="0"/>
-              </a:rPr>
-              <a:t>labeled</a:t>
-            </a:r>
-            <a:r>
-              <a:rPr lang="en-US" dirty="0" smtClean="0"/>
-              <a:t> structure is now a queue</a:t>
-            </a:r>
+            <a:r>
+              <a:rPr lang="en-US" dirty="0" smtClean="0"/>
+              <a:t>A </a:t>
+            </a:r>
+            <a:r>
+              <a:rPr lang="en-US" b="1" i="1" dirty="0" smtClean="0"/>
+              <a:t>flow-augmenting path</a:t>
+            </a:r>
+            <a:r>
+              <a:rPr lang="en-US" dirty="0" smtClean="0"/>
+              <a:t> is a sequence of edges from </a:t>
+            </a:r>
+            <a:r>
+              <a:rPr lang="en-US" i="1" dirty="0" smtClean="0"/>
+              <a:t>s</a:t>
+            </a:r>
+            <a:r>
+              <a:rPr lang="en-US" dirty="0" smtClean="0"/>
+              <a:t> to </a:t>
+            </a:r>
+            <a:r>
+              <a:rPr lang="en-US" i="1" dirty="0" smtClean="0"/>
+              <a:t>t</a:t>
+            </a:r>
+            <a:r>
+              <a:rPr lang="en-US" dirty="0" smtClean="0"/>
+              <a:t> such that on any edge, </a:t>
+            </a:r>
+            <a:r>
+              <a:rPr lang="en-US" i="1" dirty="0" smtClean="0"/>
+              <a:t>e</a:t>
+            </a:r>
+            <a:r>
+              <a:rPr lang="en-US" dirty="0" smtClean="0"/>
+              <a:t>, in the path the flow </a:t>
+            </a:r>
+            <a:r>
+              <a:rPr lang="en-US" i="1" dirty="0" smtClean="0"/>
+              <a:t>f</a:t>
+            </a:r>
+            <a:r>
+              <a:rPr lang="en-US" dirty="0" smtClean="0"/>
+              <a:t>(</a:t>
+            </a:r>
+            <a:r>
+              <a:rPr lang="en-US" i="1" dirty="0" smtClean="0"/>
+              <a:t>e</a:t>
+            </a:r>
+            <a:r>
+              <a:rPr lang="en-US" dirty="0" smtClean="0"/>
+              <a:t>) on the forward edges is less than the capacity, </a:t>
+            </a:r>
+            <a:r>
+              <a:rPr lang="en-US" i="1" dirty="0" smtClean="0"/>
+              <a:t>cap</a:t>
+            </a:r>
+            <a:r>
+              <a:rPr lang="en-US" dirty="0" smtClean="0"/>
+              <a:t>(</a:t>
+            </a:r>
+            <a:r>
+              <a:rPr lang="en-US" i="1" dirty="0" smtClean="0"/>
+              <a:t>e</a:t>
+            </a:r>
+            <a:r>
+              <a:rPr lang="en-US" dirty="0" smtClean="0"/>
+              <a:t>), and greater than 0 on the backward edges</a:t>
+            </a:r>
+          </a:p>
+          <a:p>
+            <a:r>
+              <a:rPr lang="en-US" dirty="0" smtClean="0"/>
+              <a:t>This means the path has excess capacity that isn’t being used</a:t>
+            </a:r>
+          </a:p>
+          <a:p>
+            <a:r>
+              <a:rPr lang="en-US" dirty="0" smtClean="0"/>
+              <a:t>However if the flow for any edge in that path reaches capacity, the flow cannot be augmented</a:t>
+            </a:r>
+          </a:p>
+          <a:p>
+            <a:r>
+              <a:rPr lang="en-US" dirty="0" smtClean="0"/>
+              <a:t>The path also does not have to exclusively use forward edges, so in Figure 8.19, we have paths </a:t>
+            </a:r>
+            <a:r>
+              <a:rPr lang="en-US" i="1" dirty="0" smtClean="0"/>
+              <a:t>s</a:t>
+            </a:r>
+            <a:r>
+              <a:rPr lang="en-US" dirty="0" smtClean="0"/>
+              <a:t>, </a:t>
+            </a:r>
+            <a:r>
+              <a:rPr lang="en-US" i="1" dirty="0" smtClean="0"/>
+              <a:t>a</a:t>
+            </a:r>
+            <a:r>
+              <a:rPr lang="en-US" dirty="0" smtClean="0"/>
+              <a:t>, </a:t>
+            </a:r>
+            <a:r>
+              <a:rPr lang="en-US" i="1" dirty="0" smtClean="0"/>
+              <a:t>b</a:t>
+            </a:r>
+            <a:r>
+              <a:rPr lang="en-US" dirty="0" smtClean="0"/>
+              <a:t>, </a:t>
+            </a:r>
+            <a:r>
+              <a:rPr lang="en-US" i="1" dirty="0" smtClean="0"/>
+              <a:t>t</a:t>
+            </a:r>
+            <a:r>
+              <a:rPr lang="en-US" dirty="0" smtClean="0"/>
+              <a:t> and </a:t>
+            </a:r>
+            <a:r>
+              <a:rPr lang="en-US" i="1" dirty="0" smtClean="0"/>
+              <a:t>s</a:t>
+            </a:r>
+            <a:r>
+              <a:rPr lang="en-US" dirty="0" smtClean="0"/>
+              <a:t>, </a:t>
+            </a:r>
+            <a:r>
+              <a:rPr lang="en-US" i="1" dirty="0" smtClean="0"/>
+              <a:t>d</a:t>
+            </a:r>
+            <a:r>
+              <a:rPr lang="en-US" dirty="0" smtClean="0"/>
+              <a:t>, </a:t>
+            </a:r>
+            <a:r>
+              <a:rPr lang="en-US" i="1" dirty="0" smtClean="0"/>
+              <a:t>b</a:t>
+            </a:r>
+            <a:r>
+              <a:rPr lang="en-US" dirty="0" smtClean="0"/>
+              <a:t>, </a:t>
+            </a:r>
+            <a:r>
+              <a:rPr lang="en-US" i="1" dirty="0" smtClean="0"/>
+              <a:t>t</a:t>
+            </a:r>
+          </a:p>
+          <a:p>
+            <a:r>
+              <a:rPr lang="en-US" dirty="0" smtClean="0"/>
+              <a:t>Backward edges push back against the flow, decreasing the total flow of the network</a:t>
+            </a:r>
+          </a:p>
+          <a:p>
+            <a:r>
+              <a:rPr lang="en-US" dirty="0" smtClean="0"/>
+              <a:t>Eliminating them can increase the overall flow in the network, so the goal of augmenting isn’t finished until the flows for those edges is 0</a:t>
+            </a:r>
+            <a:endParaRPr lang="en-US" dirty="0"/>
+          </a:p>
+        </p:txBody>
+      </p:sp>
+      <p:sp>
+        <p:nvSpPr>
+          <p:cNvPr id="5" name="Slide Number Placeholder 4"/>
+          <p:cNvSpPr>
+            <a:spLocks noGrp="1"/>
+          </p:cNvSpPr>
+          <p:nvPr>
+            <p:ph type="sldNum" sz="quarter" idx="12"/>
+          </p:nvPr>
+        </p:nvSpPr>
+        <p:spPr/>
+        <p:txBody>
+          <a:bodyPr/>
+          <a:lstStyle/>
+          <a:p>
+            <a:pPr>
+              <a:defRPr/>
+            </a:pPr>
+            <a:fld id="{54239539-FAAE-47F3-A644-ECC48BA6469C}" type="slidenum">
+              <a:rPr lang="en-US" smtClean="0"/>
+              <a:pPr>
+                <a:defRPr/>
+              </a:pPr>
+              <a:t>8</a:t>
+            </a:fld>
+            <a:endParaRPr lang="en-US" dirty="0"/>
           </a:p>
         </p:txBody>
       </p:sp>
     </p:spTree>
     <p:extLst>
       <p:ext uri="{BB962C8B-B14F-4D97-AF65-F5344CB8AC3E}">
-        <p14:creationId xmlns:p14="http://schemas.microsoft.com/office/powerpoint/2010/main" val="3519956643"/>
+        <p14:creationId xmlns:p14="http://schemas.microsoft.com/office/powerpoint/2010/main" val="4060603043"/>
       </p:ext>
     </p:extLst>
   </p:cSld>
@@ -5971,12 +6387,8 @@
           <a:lstStyle/>
           <a:p>
             <a:r>
-              <a:rPr lang="en-US" dirty="0"/>
-              <a:t>Edmonds-Karp </a:t>
-            </a:r>
-            <a:r>
-              <a:rPr lang="en-US" dirty="0" smtClean="0"/>
-              <a:t>Algorithm – 1 </a:t>
+              <a:rPr lang="lv-LV" dirty="0" smtClean="0"/>
+              <a:t>Ford-Fulkerson Example – 1 </a:t>
             </a:r>
             <a:endParaRPr lang="lv-LV" dirty="0"/>
           </a:p>
@@ -5984,7 +6396,7 @@
       </p:sp>
       <p:pic>
         <p:nvPicPr>
-          <p:cNvPr id="5" name="Picture 4"/>
+          <p:cNvPr id="4" name="Picture 3"/>
           <p:cNvPicPr>
             <a:picLocks noChangeAspect="1"/>
           </p:cNvPicPr>
@@ -5998,8 +6410,8 @@
         </p:blipFill>
         <p:spPr>
           <a:xfrm>
-            <a:off x="1904999" y="1828800"/>
-            <a:ext cx="9014249" cy="4495800"/>
+            <a:off x="2667000" y="1560095"/>
+            <a:ext cx="7162800" cy="4574631"/>
           </a:xfrm>
           <a:prstGeom prst="rect">
             <a:avLst/>
@@ -6009,7 +6421,7 @@
     </p:spTree>
     <p:extLst>
       <p:ext uri="{BB962C8B-B14F-4D97-AF65-F5344CB8AC3E}">
-        <p14:creationId xmlns:p14="http://schemas.microsoft.com/office/powerpoint/2010/main" val="1099117364"/>
+        <p14:creationId xmlns:p14="http://schemas.microsoft.com/office/powerpoint/2010/main" val="2532753161"/>
       </p:ext>
     </p:extLst>
   </p:cSld>
@@ -6019,13 +6431,6 @@
   <p:transition spd="slow">
     <p:wipe/>
   </p:transition>
-  <p:timing>
-    <p:tnLst>
-      <p:par>
-        <p:cTn id="1" dur="indefinite" restart="never" nodeType="tmRoot"/>
-      </p:par>
-    </p:tnLst>
-  </p:timing>
 </p:sld>
 </file>
 
